--- a/documentation/0 architecture/develop/standards/개발 표준 작성 지침(명명법 및 코딩 표준) v1.2.pptx
+++ b/documentation/0 architecture/develop/standards/개발 표준 작성 지침(명명법 및 코딩 표준) v1.2.pptx
@@ -176,6 +176,49 @@
           <a:chExt cx="0" cy="0"/>
         </a:xfrm>
       </p:grpSpPr>
+      <p:sp>
+        <p:nvSpPr>
+          <p:cNvPr id="2" name="직사각형 1"/>
+          <p:cNvSpPr/>
+          <p:nvPr userDrawn="1"/>
+        </p:nvSpPr>
+        <p:spPr>
+          <a:xfrm>
+            <a:off x="0" y="0"/>
+            <a:ext cx="9906000" cy="548680"/>
+          </a:xfrm>
+          <a:prstGeom prst="rect">
+            <a:avLst/>
+          </a:prstGeom>
+          <a:ln>
+            <a:noFill/>
+          </a:ln>
+        </p:spPr>
+        <p:style>
+          <a:lnRef idx="2">
+            <a:schemeClr val="accent1">
+              <a:shade val="50000"/>
+            </a:schemeClr>
+          </a:lnRef>
+          <a:fillRef idx="1">
+            <a:schemeClr val="accent1"/>
+          </a:fillRef>
+          <a:effectRef idx="0">
+            <a:schemeClr val="accent1"/>
+          </a:effectRef>
+          <a:fontRef idx="minor">
+            <a:schemeClr val="lt1"/>
+          </a:fontRef>
+        </p:style>
+        <p:txBody>
+          <a:bodyPr rtlCol="0" anchor="ctr"/>
+          <a:lstStyle/>
+          <a:p>
+            <a:pPr algn="ctr"/>
+            <a:endParaRPr lang="ko-KR" altLang="en-US"/>
+          </a:p>
+        </p:txBody>
+      </p:sp>
     </p:spTree>
     <p:extLst>
       <p:ext uri="{BB962C8B-B14F-4D97-AF65-F5344CB8AC3E}">
@@ -2440,36 +2483,6 @@
           </a:p>
         </p:txBody>
       </p:sp>
-      <p:pic>
-        <p:nvPicPr>
-          <p:cNvPr id="10" name="그림 9"/>
-          <p:cNvPicPr>
-            <a:picLocks noChangeAspect="1"/>
-          </p:cNvPicPr>
-          <p:nvPr/>
-        </p:nvPicPr>
-        <p:blipFill>
-          <a:blip r:embed="rId2">
-            <a:extLst>
-              <a:ext uri="{28A0092B-C50C-407E-A947-70E740481C1C}">
-                <a14:useLocalDpi xmlns:a14="http://schemas.microsoft.com/office/drawing/2010/main" val="0"/>
-              </a:ext>
-            </a:extLst>
-          </a:blip>
-          <a:stretch>
-            <a:fillRect/>
-          </a:stretch>
-        </p:blipFill>
-        <p:spPr>
-          <a:xfrm>
-            <a:off x="8272797" y="5738481"/>
-            <a:ext cx="1342284" cy="671140"/>
-          </a:xfrm>
-          <a:prstGeom prst="rect">
-            <a:avLst/>
-          </a:prstGeom>
-        </p:spPr>
-      </p:pic>
     </p:spTree>
     <p:extLst>
       <p:ext uri="{BB962C8B-B14F-4D97-AF65-F5344CB8AC3E}">
@@ -19264,14 +19277,7 @@
                 <a:latin typeface="맑은 고딕" pitchFamily="50" charset="-127"/>
                 <a:ea typeface="맑은 고딕" pitchFamily="50" charset="-127"/>
               </a:rPr>
-              <a:t>사의 </a:t>
-            </a:r>
-            <a:r>
-              <a:rPr lang="ko-KR" altLang="en-US" sz="1600" b="1" dirty="0" smtClean="0">
-                <a:latin typeface="맑은 고딕" pitchFamily="50" charset="-127"/>
-                <a:ea typeface="맑은 고딕" pitchFamily="50" charset="-127"/>
-              </a:rPr>
-              <a:t>공식 도메인</a:t>
+              <a:t>사의 공식 도메인</a:t>
             </a:r>
             <a:endParaRPr lang="en-US" altLang="ko-KR" sz="1600" b="1" dirty="0" smtClean="0">
               <a:latin typeface="맑은 고딕" pitchFamily="50" charset="-127"/>
@@ -19309,14 +19315,7 @@
                 <a:latin typeface="맑은 고딕" pitchFamily="50" charset="-127"/>
                 <a:ea typeface="맑은 고딕" pitchFamily="50" charset="-127"/>
               </a:rPr>
-              <a:t>사의 </a:t>
-            </a:r>
-            <a:r>
-              <a:rPr lang="ko-KR" altLang="en-US" sz="1100" dirty="0" smtClean="0">
-                <a:latin typeface="맑은 고딕" pitchFamily="50" charset="-127"/>
-                <a:ea typeface="맑은 고딕" pitchFamily="50" charset="-127"/>
-              </a:rPr>
-              <a:t>공식 도메인은 아래와 같다</a:t>
+              <a:t>사의 공식 도메인은 아래와 같다</a:t>
             </a:r>
             <a:r>
               <a:rPr lang="en-US" altLang="ko-KR" sz="1100" dirty="0" smtClean="0">
